--- a/Documents/408_Project_Poster.pptx
+++ b/Documents/408_Project_Poster.pptx
@@ -2935,7 +2935,7 @@
         </p:nvSpPr>
         <p:spPr>
           <a:xfrm>
-            <a:off x="6126480" y="7528610"/>
+            <a:off x="6150686" y="7530177"/>
             <a:ext cx="3108960" cy="346320"/>
           </a:xfrm>
           <a:prstGeom prst="rect">
@@ -3137,7 +3137,7 @@
         </p:blipFill>
         <p:spPr>
           <a:xfrm>
-            <a:off x="5395634" y="8690945"/>
+            <a:off x="5480100" y="8644288"/>
             <a:ext cx="1341171" cy="2238027"/>
           </a:xfrm>
           <a:prstGeom prst="rect">
@@ -3173,7 +3173,7 @@
         </p:blipFill>
         <p:spPr>
           <a:xfrm>
-            <a:off x="7011778" y="8673325"/>
+            <a:off x="7013548" y="8645629"/>
             <a:ext cx="1348638" cy="2251398"/>
           </a:xfrm>
           <a:prstGeom prst="rect">
@@ -3209,7 +3209,7 @@
         </p:blipFill>
         <p:spPr>
           <a:xfrm>
-            <a:off x="8557345" y="8696751"/>
+            <a:off x="8546787" y="8669055"/>
             <a:ext cx="1390367" cy="2227972"/>
           </a:xfrm>
           <a:prstGeom prst="rect">
@@ -3245,8 +3245,8 @@
         </p:blipFill>
         <p:spPr>
           <a:xfrm>
-            <a:off x="5404961" y="11085256"/>
-            <a:ext cx="1331844" cy="2228799"/>
+            <a:off x="5366518" y="11085256"/>
+            <a:ext cx="1103698" cy="1847004"/>
           </a:xfrm>
           <a:prstGeom prst="rect">
             <a:avLst/>
@@ -3281,8 +3281,8 @@
         </p:blipFill>
         <p:spPr>
           <a:xfrm>
-            <a:off x="7011777" y="11110011"/>
-            <a:ext cx="1324041" cy="2204043"/>
+            <a:off x="8880648" y="11080659"/>
+            <a:ext cx="1116933" cy="1859284"/>
           </a:xfrm>
           <a:prstGeom prst="rect">
             <a:avLst/>
@@ -3418,6 +3418,364 @@
           <a:xfrm>
             <a:off x="5419166" y="17597112"/>
             <a:ext cx="4572000" cy="1994981"/>
+          </a:xfrm>
+          <a:prstGeom prst="rect">
+            <a:avLst/>
+          </a:prstGeom>
+        </p:spPr>
+      </p:pic>
+      <p:pic>
+        <p:nvPicPr>
+          <p:cNvPr id="6" name="Picture 5" descr="A screenshot of a survey&#10;&#10;Description automatically generated">
+            <a:extLst>
+              <a:ext uri="{FF2B5EF4-FFF2-40B4-BE49-F238E27FC236}">
+                <a16:creationId xmlns:a16="http://schemas.microsoft.com/office/drawing/2014/main" id="{0D358C55-6B59-CA60-7FDC-39662F2B9F52}"/>
+              </a:ext>
+            </a:extLst>
+          </p:cNvPr>
+          <p:cNvPicPr>
+            <a:picLocks noChangeAspect="1"/>
+          </p:cNvPicPr>
+          <p:nvPr/>
+        </p:nvPicPr>
+        <p:blipFill>
+          <a:blip r:embed="rId11">
+            <a:extLst>
+              <a:ext uri="{28A0092B-C50C-407E-A947-70E740481C1C}">
+                <a14:useLocalDpi xmlns:a14="http://schemas.microsoft.com/office/drawing/2010/main" val="0"/>
+              </a:ext>
+            </a:extLst>
+          </a:blip>
+          <a:stretch>
+            <a:fillRect/>
+          </a:stretch>
+        </p:blipFill>
+        <p:spPr>
+          <a:xfrm>
+            <a:off x="6313213" y="13439347"/>
+            <a:ext cx="857997" cy="1859284"/>
+          </a:xfrm>
+          <a:prstGeom prst="rect">
+            <a:avLst/>
+          </a:prstGeom>
+        </p:spPr>
+      </p:pic>
+      <p:pic>
+        <p:nvPicPr>
+          <p:cNvPr id="8" name="Picture 7" descr="A screenshot of a computer&#10;&#10;Description automatically generated with medium confidence">
+            <a:extLst>
+              <a:ext uri="{FF2B5EF4-FFF2-40B4-BE49-F238E27FC236}">
+                <a16:creationId xmlns:a16="http://schemas.microsoft.com/office/drawing/2014/main" id="{FABDBC31-8B75-1EE7-15AD-576767140528}"/>
+              </a:ext>
+            </a:extLst>
+          </p:cNvPr>
+          <p:cNvPicPr>
+            <a:picLocks noChangeAspect="1"/>
+          </p:cNvPicPr>
+          <p:nvPr/>
+        </p:nvPicPr>
+        <p:blipFill>
+          <a:blip r:embed="rId12">
+            <a:extLst>
+              <a:ext uri="{28A0092B-C50C-407E-A947-70E740481C1C}">
+                <a14:useLocalDpi xmlns:a14="http://schemas.microsoft.com/office/drawing/2010/main" val="0"/>
+              </a:ext>
+            </a:extLst>
+          </a:blip>
+          <a:stretch>
+            <a:fillRect/>
+          </a:stretch>
+        </p:blipFill>
+        <p:spPr>
+          <a:xfrm>
+            <a:off x="6520448" y="11076980"/>
+            <a:ext cx="1113752" cy="1859284"/>
+          </a:xfrm>
+          <a:prstGeom prst="rect">
+            <a:avLst/>
+          </a:prstGeom>
+        </p:spPr>
+      </p:pic>
+      <p:sp>
+        <p:nvSpPr>
+          <p:cNvPr id="9" name="TextShape 18">
+            <a:extLst>
+              <a:ext uri="{FF2B5EF4-FFF2-40B4-BE49-F238E27FC236}">
+                <a16:creationId xmlns:a16="http://schemas.microsoft.com/office/drawing/2014/main" id="{BA7EB833-1519-A225-671C-A941027F5CC6}"/>
+              </a:ext>
+            </a:extLst>
+          </p:cNvPr>
+          <p:cNvSpPr txBox="1"/>
+          <p:nvPr/>
+        </p:nvSpPr>
+        <p:spPr>
+          <a:xfrm>
+            <a:off x="6560270" y="12894861"/>
+            <a:ext cx="1039597" cy="236068"/>
+          </a:xfrm>
+          <a:prstGeom prst="rect">
+            <a:avLst/>
+          </a:prstGeom>
+        </p:spPr>
+        <p:txBody>
+          <a:bodyPr wrap="none" lIns="90000" tIns="45000" rIns="90000" bIns="45000"/>
+          <a:lstStyle/>
+          <a:p>
+            <a:r>
+              <a:rPr lang="tr-TR" sz="800" b="1" dirty="0" err="1">
+                <a:solidFill>
+                  <a:srgbClr val="C5000B"/>
+                </a:solidFill>
+              </a:rPr>
+              <a:t>Take</a:t>
+            </a:r>
+            <a:r>
+              <a:rPr lang="tr-TR" sz="800" b="1" dirty="0">
+                <a:solidFill>
+                  <a:srgbClr val="C5000B"/>
+                </a:solidFill>
+              </a:rPr>
+              <a:t> </a:t>
+            </a:r>
+            <a:r>
+              <a:rPr lang="tr-TR" sz="800" b="1" dirty="0" err="1">
+                <a:solidFill>
+                  <a:srgbClr val="C5000B"/>
+                </a:solidFill>
+              </a:rPr>
+              <a:t>Attendance</a:t>
+            </a:r>
+            <a:endParaRPr sz="800" dirty="0"/>
+          </a:p>
+        </p:txBody>
+      </p:sp>
+      <p:pic>
+        <p:nvPicPr>
+          <p:cNvPr id="11" name="Picture 10" descr="A screenshot of a computer&#10;&#10;Description automatically generated with medium confidence">
+            <a:extLst>
+              <a:ext uri="{FF2B5EF4-FFF2-40B4-BE49-F238E27FC236}">
+                <a16:creationId xmlns:a16="http://schemas.microsoft.com/office/drawing/2014/main" id="{E43E58DC-DB2E-0989-6C49-1FFAE623DC73}"/>
+              </a:ext>
+            </a:extLst>
+          </p:cNvPr>
+          <p:cNvPicPr>
+            <a:picLocks noChangeAspect="1"/>
+          </p:cNvPicPr>
+          <p:nvPr/>
+        </p:nvPicPr>
+        <p:blipFill>
+          <a:blip r:embed="rId13">
+            <a:extLst>
+              <a:ext uri="{28A0092B-C50C-407E-A947-70E740481C1C}">
+                <a14:useLocalDpi xmlns:a14="http://schemas.microsoft.com/office/drawing/2010/main" val="0"/>
+              </a:ext>
+            </a:extLst>
+          </a:blip>
+          <a:stretch>
+            <a:fillRect/>
+          </a:stretch>
+        </p:blipFill>
+        <p:spPr>
+          <a:xfrm>
+            <a:off x="7684432" y="11080659"/>
+            <a:ext cx="1113752" cy="1850961"/>
+          </a:xfrm>
+          <a:prstGeom prst="rect">
+            <a:avLst/>
+          </a:prstGeom>
+        </p:spPr>
+      </p:pic>
+      <p:sp>
+        <p:nvSpPr>
+          <p:cNvPr id="13" name="TextShape 18">
+            <a:extLst>
+              <a:ext uri="{FF2B5EF4-FFF2-40B4-BE49-F238E27FC236}">
+                <a16:creationId xmlns:a16="http://schemas.microsoft.com/office/drawing/2014/main" id="{E6F54F78-6A2A-2FC0-CE1E-7E50B1AE9A7A}"/>
+              </a:ext>
+            </a:extLst>
+          </p:cNvPr>
+          <p:cNvSpPr txBox="1"/>
+          <p:nvPr/>
+        </p:nvSpPr>
+        <p:spPr>
+          <a:xfrm>
+            <a:off x="7782327" y="12894861"/>
+            <a:ext cx="950194" cy="169747"/>
+          </a:xfrm>
+          <a:prstGeom prst="rect">
+            <a:avLst/>
+          </a:prstGeom>
+        </p:spPr>
+        <p:txBody>
+          <a:bodyPr wrap="none" lIns="90000" tIns="45000" rIns="90000" bIns="45000"/>
+          <a:lstStyle/>
+          <a:p>
+            <a:r>
+              <a:rPr lang="tr-TR" sz="800" b="1" dirty="0" err="1">
+                <a:solidFill>
+                  <a:srgbClr val="C5000B"/>
+                </a:solidFill>
+              </a:rPr>
+              <a:t>View</a:t>
+            </a:r>
+            <a:r>
+              <a:rPr lang="tr-TR" sz="800" b="1" dirty="0">
+                <a:solidFill>
+                  <a:srgbClr val="C5000B"/>
+                </a:solidFill>
+              </a:rPr>
+              <a:t> </a:t>
+            </a:r>
+            <a:r>
+              <a:rPr lang="tr-TR" sz="800" b="1" dirty="0" err="1">
+                <a:solidFill>
+                  <a:srgbClr val="C5000B"/>
+                </a:solidFill>
+              </a:rPr>
+              <a:t>Attendance</a:t>
+            </a:r>
+            <a:endParaRPr sz="800" dirty="0"/>
+          </a:p>
+        </p:txBody>
+      </p:sp>
+      <p:pic>
+        <p:nvPicPr>
+          <p:cNvPr id="15" name="Picture 14" descr="A screenshot of a cell phone survey&#10;&#10;Description automatically generated with low confidence">
+            <a:extLst>
+              <a:ext uri="{FF2B5EF4-FFF2-40B4-BE49-F238E27FC236}">
+                <a16:creationId xmlns:a16="http://schemas.microsoft.com/office/drawing/2014/main" id="{6785A7EB-E744-78E1-0B0D-F8C879BCE255}"/>
+              </a:ext>
+            </a:extLst>
+          </p:cNvPr>
+          <p:cNvPicPr>
+            <a:picLocks noChangeAspect="1"/>
+          </p:cNvPicPr>
+          <p:nvPr/>
+        </p:nvPicPr>
+        <p:blipFill>
+          <a:blip r:embed="rId14">
+            <a:extLst>
+              <a:ext uri="{28A0092B-C50C-407E-A947-70E740481C1C}">
+                <a14:useLocalDpi xmlns:a14="http://schemas.microsoft.com/office/drawing/2010/main" val="0"/>
+              </a:ext>
+            </a:extLst>
+          </a:blip>
+          <a:stretch>
+            <a:fillRect/>
+          </a:stretch>
+        </p:blipFill>
+        <p:spPr>
+          <a:xfrm>
+            <a:off x="7267696" y="13423210"/>
+            <a:ext cx="861720" cy="1867353"/>
+          </a:xfrm>
+          <a:prstGeom prst="rect">
+            <a:avLst/>
+          </a:prstGeom>
+        </p:spPr>
+      </p:pic>
+      <p:pic>
+        <p:nvPicPr>
+          <p:cNvPr id="21" name="Picture 20" descr="A screenshot of a survey&#10;&#10;Description automatically generated">
+            <a:extLst>
+              <a:ext uri="{FF2B5EF4-FFF2-40B4-BE49-F238E27FC236}">
+                <a16:creationId xmlns:a16="http://schemas.microsoft.com/office/drawing/2014/main" id="{E29FEAD3-BC94-3A1C-CEC9-5DEBF322A109}"/>
+              </a:ext>
+            </a:extLst>
+          </p:cNvPr>
+          <p:cNvPicPr>
+            <a:picLocks noChangeAspect="1"/>
+          </p:cNvPicPr>
+          <p:nvPr/>
+        </p:nvPicPr>
+        <p:blipFill>
+          <a:blip r:embed="rId15">
+            <a:extLst>
+              <a:ext uri="{28A0092B-C50C-407E-A947-70E740481C1C}">
+                <a14:useLocalDpi xmlns:a14="http://schemas.microsoft.com/office/drawing/2010/main" val="0"/>
+              </a:ext>
+            </a:extLst>
+          </a:blip>
+          <a:stretch>
+            <a:fillRect/>
+          </a:stretch>
+        </p:blipFill>
+        <p:spPr>
+          <a:xfrm>
+            <a:off x="5351413" y="13448894"/>
+            <a:ext cx="861720" cy="1867353"/>
+          </a:xfrm>
+          <a:prstGeom prst="rect">
+            <a:avLst/>
+          </a:prstGeom>
+        </p:spPr>
+      </p:pic>
+      <p:pic>
+        <p:nvPicPr>
+          <p:cNvPr id="25" name="Picture 24" descr="A screenshot of a survey results&#10;&#10;Description automatically generated">
+            <a:extLst>
+              <a:ext uri="{FF2B5EF4-FFF2-40B4-BE49-F238E27FC236}">
+                <a16:creationId xmlns:a16="http://schemas.microsoft.com/office/drawing/2014/main" id="{F44F30FA-FE39-17DA-7E6A-8CB2F63BD0A8}"/>
+              </a:ext>
+            </a:extLst>
+          </p:cNvPr>
+          <p:cNvPicPr>
+            <a:picLocks noChangeAspect="1"/>
+          </p:cNvPicPr>
+          <p:nvPr/>
+        </p:nvPicPr>
+        <p:blipFill>
+          <a:blip r:embed="rId16">
+            <a:extLst>
+              <a:ext uri="{28A0092B-C50C-407E-A947-70E740481C1C}">
+                <a14:useLocalDpi xmlns:a14="http://schemas.microsoft.com/office/drawing/2010/main" val="0"/>
+              </a:ext>
+            </a:extLst>
+          </a:blip>
+          <a:stretch>
+            <a:fillRect/>
+          </a:stretch>
+        </p:blipFill>
+        <p:spPr>
+          <a:xfrm>
+            <a:off x="8213874" y="13439347"/>
+            <a:ext cx="857997" cy="1859284"/>
+          </a:xfrm>
+          <a:prstGeom prst="rect">
+            <a:avLst/>
+          </a:prstGeom>
+        </p:spPr>
+      </p:pic>
+      <p:pic>
+        <p:nvPicPr>
+          <p:cNvPr id="29" name="Picture 28" descr="A screenshot of a survey results&#10;&#10;Description automatically generated">
+            <a:extLst>
+              <a:ext uri="{FF2B5EF4-FFF2-40B4-BE49-F238E27FC236}">
+                <a16:creationId xmlns:a16="http://schemas.microsoft.com/office/drawing/2014/main" id="{CD467EF5-3A37-646F-ACA5-3B4C77C89AB6}"/>
+              </a:ext>
+            </a:extLst>
+          </p:cNvPr>
+          <p:cNvPicPr>
+            <a:picLocks noChangeAspect="1"/>
+          </p:cNvPicPr>
+          <p:nvPr/>
+        </p:nvPicPr>
+        <p:blipFill>
+          <a:blip r:embed="rId17">
+            <a:extLst>
+              <a:ext uri="{28A0092B-C50C-407E-A947-70E740481C1C}">
+                <a14:useLocalDpi xmlns:a14="http://schemas.microsoft.com/office/drawing/2010/main" val="0"/>
+              </a:ext>
+            </a:extLst>
+          </a:blip>
+          <a:stretch>
+            <a:fillRect/>
+          </a:stretch>
+        </p:blipFill>
+        <p:spPr>
+          <a:xfrm>
+            <a:off x="9133169" y="13431278"/>
+            <a:ext cx="857997" cy="1859285"/>
           </a:xfrm>
           <a:prstGeom prst="rect">
             <a:avLst/>
